--- a/presentations/03a-Creating-REST-Clients.pptx
+++ b/presentations/03a-Creating-REST-Clients.pptx
@@ -5,7 +5,7 @@
     <p:sldMasterId id="2147483648" r:id="rId1"/>
   </p:sldMasterIdLst>
   <p:notesMasterIdLst>
-    <p:notesMasterId r:id="rId14"/>
+    <p:notesMasterId r:id="rId15"/>
   </p:notesMasterIdLst>
   <p:sldIdLst>
     <p:sldId id="256" r:id="rId2"/>
@@ -20,6 +20,7 @@
     <p:sldId id="265" r:id="rId11"/>
     <p:sldId id="266" r:id="rId12"/>
     <p:sldId id="267" r:id="rId13"/>
+    <p:sldId id="268" r:id="rId14"/>
   </p:sldIdLst>
   <p:sldSz cx="9144000" cy="6858000" type="screen4x3"/>
   <p:notesSz cx="6858000" cy="9144000"/>
@@ -208,7 +209,7 @@
             <a:fld id="{7307762F-A706-E543-A832-3C298AA3103F}" type="datetimeFigureOut">
               <a:rPr lang="en-US" smtClean="0"/>
               <a:pPr/>
-              <a:t>05/12/2012</a:t>
+              <a:t>10/12/2012</a:t>
             </a:fld>
             <a:endParaRPr lang="en-US" dirty="0"/>
           </a:p>
@@ -775,7 +776,7 @@
           <a:p>
             <a:fld id="{875CF0EB-321F-0749-B37A-89BBA859503C}" type="datetimeFigureOut">
               <a:rPr lang="en-US" smtClean="0"/>
-              <a:t>05/12/2012</a:t>
+              <a:t>10/12/2012</a:t>
             </a:fld>
             <a:endParaRPr lang="en-US"/>
           </a:p>
@@ -979,7 +980,7 @@
           <a:p>
             <a:fld id="{875CF0EB-321F-0749-B37A-89BBA859503C}" type="datetimeFigureOut">
               <a:rPr lang="en-US" smtClean="0"/>
-              <a:t>05/12/2012</a:t>
+              <a:t>10/12/2012</a:t>
             </a:fld>
             <a:endParaRPr lang="en-US"/>
           </a:p>
@@ -1173,7 +1174,7 @@
           <a:p>
             <a:fld id="{875CF0EB-321F-0749-B37A-89BBA859503C}" type="datetimeFigureOut">
               <a:rPr lang="en-US" smtClean="0"/>
-              <a:t>05/12/2012</a:t>
+              <a:t>10/12/2012</a:t>
             </a:fld>
             <a:endParaRPr lang="en-US"/>
           </a:p>
@@ -1443,7 +1444,7 @@
           <a:p>
             <a:fld id="{875CF0EB-321F-0749-B37A-89BBA859503C}" type="datetimeFigureOut">
               <a:rPr lang="en-US" smtClean="0"/>
-              <a:t>05/12/2012</a:t>
+              <a:t>10/12/2012</a:t>
             </a:fld>
             <a:endParaRPr lang="en-US"/>
           </a:p>
@@ -1755,7 +1756,7 @@
           <a:p>
             <a:fld id="{875CF0EB-321F-0749-B37A-89BBA859503C}" type="datetimeFigureOut">
               <a:rPr lang="en-US" smtClean="0"/>
-              <a:t>05/12/2012</a:t>
+              <a:t>10/12/2012</a:t>
             </a:fld>
             <a:endParaRPr lang="en-US"/>
           </a:p>
@@ -2201,7 +2202,7 @@
           <a:p>
             <a:fld id="{875CF0EB-321F-0749-B37A-89BBA859503C}" type="datetimeFigureOut">
               <a:rPr lang="en-US" smtClean="0"/>
-              <a:t>05/12/2012</a:t>
+              <a:t>10/12/2012</a:t>
             </a:fld>
             <a:endParaRPr lang="en-US"/>
           </a:p>
@@ -2343,7 +2344,7 @@
           <a:p>
             <a:fld id="{875CF0EB-321F-0749-B37A-89BBA859503C}" type="datetimeFigureOut">
               <a:rPr lang="en-US" smtClean="0"/>
-              <a:t>05/12/2012</a:t>
+              <a:t>10/12/2012</a:t>
             </a:fld>
             <a:endParaRPr lang="en-US"/>
           </a:p>
@@ -2462,7 +2463,7 @@
           <a:p>
             <a:fld id="{875CF0EB-321F-0749-B37A-89BBA859503C}" type="datetimeFigureOut">
               <a:rPr lang="en-US" smtClean="0"/>
-              <a:t>05/12/2012</a:t>
+              <a:t>10/12/2012</a:t>
             </a:fld>
             <a:endParaRPr lang="en-US"/>
           </a:p>
@@ -2763,7 +2764,7 @@
           <a:p>
             <a:fld id="{875CF0EB-321F-0749-B37A-89BBA859503C}" type="datetimeFigureOut">
               <a:rPr lang="en-US" smtClean="0"/>
-              <a:t>05/12/2012</a:t>
+              <a:t>10/12/2012</a:t>
             </a:fld>
             <a:endParaRPr lang="en-US"/>
           </a:p>
@@ -3040,7 +3041,7 @@
           <a:p>
             <a:fld id="{875CF0EB-321F-0749-B37A-89BBA859503C}" type="datetimeFigureOut">
               <a:rPr lang="en-US" smtClean="0"/>
-              <a:t>05/12/2012</a:t>
+              <a:t>10/12/2012</a:t>
             </a:fld>
             <a:endParaRPr lang="en-US"/>
           </a:p>
@@ -4608,7 +4609,7 @@
         <p:spPr/>
         <p:txBody>
           <a:bodyPr>
-            <a:normAutofit lnSpcReduction="10000"/>
+            <a:normAutofit/>
           </a:bodyPr>
           <a:lstStyle/>
           <a:p>
@@ -4616,91 +4617,91 @@
               <a:buNone/>
             </a:pPr>
             <a:r>
-              <a:rPr lang="en-US" dirty="0">
+              <a:rPr lang="en-US" sz="2400" dirty="0">
                 <a:latin typeface="Lucida Console"/>
                 <a:cs typeface="Lucida Console"/>
               </a:rPr>
               <a:t>	</a:t>
             </a:r>
             <a:r>
-              <a:rPr lang="en-US" dirty="0" err="1">
+              <a:rPr lang="en-US" sz="2400" dirty="0" err="1">
                 <a:latin typeface="Lucida Console"/>
                 <a:cs typeface="Lucida Console"/>
               </a:rPr>
               <a:t>WebClient</a:t>
             </a:r>
             <a:r>
-              <a:rPr lang="en-US" dirty="0">
+              <a:rPr lang="en-US" sz="2400" dirty="0">
                 <a:latin typeface="Lucida Console"/>
                 <a:cs typeface="Lucida Console"/>
               </a:rPr>
               <a:t> client = </a:t>
             </a:r>
             <a:r>
-              <a:rPr lang="en-US" dirty="0" err="1">
+              <a:rPr lang="en-US" sz="2400" dirty="0" err="1">
                 <a:latin typeface="Lucida Console"/>
                 <a:cs typeface="Lucida Console"/>
               </a:rPr>
               <a:t>WebClient.create</a:t>
             </a:r>
             <a:r>
-              <a:rPr lang="en-US" dirty="0" smtClean="0">
+              <a:rPr lang="en-US" sz="2400" dirty="0" smtClean="0">
                 <a:latin typeface="Lucida Console"/>
                 <a:cs typeface="Lucida Console"/>
               </a:rPr>
               <a:t>(</a:t>
             </a:r>
             <a:r>
-              <a:rPr lang="en-US" i="1" dirty="0" err="1" smtClean="0">
+              <a:rPr lang="en-US" sz="2400" i="1" dirty="0" err="1" smtClean="0">
                 <a:latin typeface="Lucida Console"/>
                 <a:cs typeface="Lucida Console"/>
               </a:rPr>
               <a:t>url</a:t>
             </a:r>
             <a:r>
-              <a:rPr lang="en-US" i="1" dirty="0" smtClean="0">
+              <a:rPr lang="en-US" sz="2400" i="1" dirty="0" smtClean="0">
                 <a:latin typeface="Lucida Console"/>
                 <a:cs typeface="Lucida Console"/>
               </a:rPr>
               <a:t>);</a:t>
             </a:r>
             <a:r>
-              <a:rPr lang="en-US" dirty="0">
+              <a:rPr lang="en-US" sz="2400" dirty="0">
                 <a:latin typeface="Lucida Console"/>
                 <a:cs typeface="Lucida Console"/>
               </a:rPr>
               <a:t>		Response r = </a:t>
             </a:r>
             <a:r>
-              <a:rPr lang="en-US" dirty="0" err="1">
+              <a:rPr lang="en-US" sz="2400" dirty="0" err="1">
                 <a:latin typeface="Lucida Console"/>
                 <a:cs typeface="Lucida Console"/>
               </a:rPr>
               <a:t>client.accept</a:t>
             </a:r>
             <a:r>
-              <a:rPr lang="en-US" dirty="0">
+              <a:rPr lang="en-US" sz="2400" dirty="0">
                 <a:latin typeface="Lucida Console"/>
                 <a:cs typeface="Lucida Console"/>
               </a:rPr>
               <a:t>(</a:t>
             </a:r>
             <a:r>
-              <a:rPr lang="en-US" dirty="0" err="1">
+              <a:rPr lang="en-US" sz="2400" dirty="0" err="1">
                 <a:latin typeface="Lucida Console"/>
                 <a:cs typeface="Lucida Console"/>
               </a:rPr>
               <a:t>MediaType.</a:t>
             </a:r>
             <a:r>
-              <a:rPr lang="en-US" i="1" dirty="0" err="1">
+              <a:rPr lang="en-US" sz="2400" i="1" dirty="0" err="1">
                 <a:latin typeface="Lucida Console"/>
                 <a:cs typeface="Lucida Console"/>
               </a:rPr>
               <a:t>APPLICATION_JSON</a:t>
             </a:r>
             <a:r>
-              <a:rPr lang="en-US" i="1" dirty="0">
+              <a:rPr lang="en-US" sz="2400" i="1" dirty="0">
                 <a:latin typeface="Lucida Console"/>
                 <a:cs typeface="Lucida Console"/>
               </a:rPr>
@@ -4712,41 +4713,41 @@
               <a:buNone/>
             </a:pPr>
             <a:r>
-              <a:rPr lang="en-US" dirty="0" err="1" smtClean="0">
+              <a:rPr lang="en-US" sz="2400" dirty="0" err="1" smtClean="0">
                 <a:latin typeface="Lucida Console"/>
                 <a:cs typeface="Lucida Console"/>
               </a:rPr>
               <a:t>int</a:t>
             </a:r>
             <a:r>
-              <a:rPr lang="en-US" dirty="0" smtClean="0">
+              <a:rPr lang="en-US" sz="2400" dirty="0" smtClean="0">
                 <a:latin typeface="Lucida Console"/>
                 <a:cs typeface="Lucida Console"/>
               </a:rPr>
               <a:t> status = </a:t>
             </a:r>
             <a:r>
-              <a:rPr lang="en-US" dirty="0" err="1" smtClean="0">
+              <a:rPr lang="en-US" sz="2400" dirty="0" err="1" smtClean="0">
                 <a:latin typeface="Lucida Console"/>
                 <a:cs typeface="Lucida Console"/>
               </a:rPr>
               <a:t>r.getStatus</a:t>
             </a:r>
             <a:r>
-              <a:rPr lang="en-US" dirty="0" smtClean="0">
+              <a:rPr lang="en-US" sz="2400" dirty="0" smtClean="0">
                 <a:latin typeface="Lucida Console"/>
                 <a:cs typeface="Lucida Console"/>
               </a:rPr>
               <a:t>();</a:t>
             </a:r>
             <a:r>
-              <a:rPr lang="en-US" dirty="0">
+              <a:rPr lang="en-US" sz="2400" dirty="0">
                 <a:latin typeface="Lucida Console"/>
                 <a:cs typeface="Lucida Console"/>
               </a:rPr>
               <a:t>	</a:t>
             </a:r>
-            <a:endParaRPr lang="en-US" dirty="0" smtClean="0">
+            <a:endParaRPr lang="en-US" sz="2400" dirty="0" smtClean="0">
               <a:latin typeface="Lucida Console"/>
               <a:cs typeface="Lucida Console"/>
             </a:endParaRPr>
@@ -4756,83 +4757,83 @@
               <a:buNone/>
             </a:pPr>
             <a:r>
-              <a:rPr lang="en-US" dirty="0" smtClean="0">
+              <a:rPr lang="en-US" sz="2400" dirty="0" smtClean="0">
                 <a:latin typeface="Lucida Console"/>
                 <a:cs typeface="Lucida Console"/>
               </a:rPr>
               <a:t>String </a:t>
             </a:r>
             <a:r>
-              <a:rPr lang="en-US" dirty="0" err="1">
+              <a:rPr lang="en-US" sz="2400" dirty="0" err="1">
                 <a:latin typeface="Lucida Console"/>
                 <a:cs typeface="Lucida Console"/>
               </a:rPr>
               <a:t>jsonString</a:t>
             </a:r>
             <a:r>
-              <a:rPr lang="en-US" dirty="0">
+              <a:rPr lang="en-US" sz="2400" dirty="0">
                 <a:latin typeface="Lucida Console"/>
                 <a:cs typeface="Lucida Console"/>
               </a:rPr>
               <a:t> = </a:t>
             </a:r>
             <a:r>
-              <a:rPr lang="en-US" dirty="0" err="1">
+              <a:rPr lang="en-US" sz="2400" dirty="0" err="1">
                 <a:latin typeface="Lucida Console"/>
                 <a:cs typeface="Lucida Console"/>
               </a:rPr>
               <a:t>IOUtils.</a:t>
             </a:r>
             <a:r>
-              <a:rPr lang="en-US" i="1" dirty="0" err="1">
+              <a:rPr lang="en-US" sz="2400" i="1" dirty="0" err="1">
                 <a:latin typeface="Lucida Console"/>
                 <a:cs typeface="Lucida Console"/>
               </a:rPr>
               <a:t>toString</a:t>
             </a:r>
             <a:r>
-              <a:rPr lang="en-US" i="1" dirty="0">
+              <a:rPr lang="en-US" sz="2400" i="1" dirty="0">
                 <a:latin typeface="Lucida Console"/>
                 <a:cs typeface="Lucida Console"/>
               </a:rPr>
               <a:t>((</a:t>
             </a:r>
             <a:r>
-              <a:rPr lang="en-US" i="1" dirty="0" err="1">
+              <a:rPr lang="en-US" sz="2400" i="1" dirty="0" err="1">
                 <a:latin typeface="Lucida Console"/>
                 <a:cs typeface="Lucida Console"/>
               </a:rPr>
               <a:t>InputStream</a:t>
             </a:r>
             <a:r>
-              <a:rPr lang="en-US" i="1" dirty="0">
+              <a:rPr lang="en-US" sz="2400" i="1" dirty="0">
                 <a:latin typeface="Lucida Console"/>
                 <a:cs typeface="Lucida Console"/>
               </a:rPr>
               <a:t>) </a:t>
             </a:r>
             <a:r>
-              <a:rPr lang="en-US" i="1" dirty="0" err="1">
+              <a:rPr lang="en-US" sz="2400" i="1" dirty="0" err="1">
                 <a:latin typeface="Lucida Console"/>
                 <a:cs typeface="Lucida Console"/>
               </a:rPr>
               <a:t>r.getEntity</a:t>
             </a:r>
             <a:r>
-              <a:rPr lang="en-US" i="1" dirty="0">
+              <a:rPr lang="en-US" sz="2400" i="1" dirty="0">
                 <a:latin typeface="Lucida Console"/>
                 <a:cs typeface="Lucida Console"/>
               </a:rPr>
               <a:t>())</a:t>
             </a:r>
             <a:r>
-              <a:rPr lang="en-US" i="1" dirty="0" smtClean="0">
+              <a:rPr lang="en-US" sz="2400" i="1" dirty="0" smtClean="0">
                 <a:latin typeface="Lucida Console"/>
                 <a:cs typeface="Lucida Console"/>
               </a:rPr>
               <a:t>;</a:t>
             </a:r>
-            <a:endParaRPr lang="en-US" i="1" dirty="0">
+            <a:endParaRPr lang="en-US" sz="2400" i="1" dirty="0">
               <a:latin typeface="Lucida Console"/>
               <a:cs typeface="Lucida Console"/>
             </a:endParaRPr>
@@ -4843,6 +4844,59 @@
     <p:extLst>
       <p:ext uri="{BB962C8B-B14F-4D97-AF65-F5344CB8AC3E}">
         <p14:creationId xmlns:p14="http://schemas.microsoft.com/office/powerpoint/2010/main" val="3246522471"/>
+      </p:ext>
+    </p:extLst>
+  </p:cSld>
+  <p:clrMapOvr>
+    <a:masterClrMapping/>
+  </p:clrMapOvr>
+</p:sld>
+</file>
+
+<file path=ppt/slides/slide13.xml><?xml version="1.0" encoding="utf-8"?>
+<p:sld xmlns:a="http://schemas.openxmlformats.org/drawingml/2006/main" xmlns:r="http://schemas.openxmlformats.org/officeDocument/2006/relationships" xmlns:p="http://schemas.openxmlformats.org/presentationml/2006/main">
+  <p:cSld>
+    <p:spTree>
+      <p:nvGrpSpPr>
+        <p:cNvPr id="1" name=""/>
+        <p:cNvGrpSpPr/>
+        <p:nvPr/>
+      </p:nvGrpSpPr>
+      <p:grpSpPr>
+        <a:xfrm>
+          <a:off x="0" y="0"/>
+          <a:ext cx="0" cy="0"/>
+          <a:chOff x="0" y="0"/>
+          <a:chExt cx="0" cy="0"/>
+        </a:xfrm>
+      </p:grpSpPr>
+      <p:sp>
+        <p:nvSpPr>
+          <p:cNvPr id="2" name="Title 1"/>
+          <p:cNvSpPr>
+            <a:spLocks noGrp="1"/>
+          </p:cNvSpPr>
+          <p:nvPr>
+            <p:ph type="title"/>
+          </p:nvPr>
+        </p:nvSpPr>
+        <p:spPr/>
+        <p:txBody>
+          <a:bodyPr/>
+          <a:lstStyle/>
+          <a:p>
+            <a:r>
+              <a:rPr lang="en-US" dirty="0" smtClean="0"/>
+              <a:t>Questions?</a:t>
+            </a:r>
+            <a:endParaRPr lang="en-US" dirty="0"/>
+          </a:p>
+        </p:txBody>
+      </p:sp>
+    </p:spTree>
+    <p:extLst>
+      <p:ext uri="{BB962C8B-B14F-4D97-AF65-F5344CB8AC3E}">
+        <p14:creationId xmlns:p14="http://schemas.microsoft.com/office/powerpoint/2010/main" val="345714391"/>
       </p:ext>
     </p:extLst>
   </p:cSld>
@@ -5977,7 +6031,6 @@
               <a:rPr lang="en-US" dirty="0"/>
               <a:t>-View-Controller </a:t>
             </a:r>
-            <a:endParaRPr lang="en-US" dirty="0"/>
           </a:p>
           <a:p>
             <a:endParaRPr lang="en-US" dirty="0"/>
